--- a/docs/diagrams/UndoRedoNewCommand2StateListDiagram.pptx
+++ b/docs/diagrams/UndoRedoNewCommand2StateListDiagram.pptx
@@ -112,10 +112,6 @@
 </p:presentation>
 </file>
 
-<file path=ppt/revisionInfo.xml><?xml version="1.0" encoding="utf-8"?>
-<p1510:revInfo xmlns:a="http://schemas.openxmlformats.org/drawingml/2006/main" xmlns:r="http://schemas.openxmlformats.org/officeDocument/2006/relationships" xmlns:p1510="http://schemas.microsoft.com/office/powerpoint/2015/10/main"/>
-</file>
-
 <file path=ppt/slideLayouts/slideLayout1.xml><?xml version="1.0" encoding="utf-8"?>
 <p:sldLayout xmlns:a="http://schemas.openxmlformats.org/drawingml/2006/main" xmlns:r="http://schemas.openxmlformats.org/officeDocument/2006/relationships" xmlns:p="http://schemas.openxmlformats.org/presentationml/2006/main" type="title" preserve="1">
   <p:cSld name="Title Slide">
@@ -265,7 +261,7 @@
           <a:p>
             <a:fld id="{03EC4E3E-8101-482F-A883-8B55DAFF7C07}" type="datetimeFigureOut">
               <a:rPr lang="en-SG" smtClean="0"/>
-              <a:t>6/7/2018</a:t>
+              <a:t>28/2/2019</a:t>
             </a:fld>
             <a:endParaRPr lang="en-SG"/>
           </a:p>
@@ -465,7 +461,7 @@
           <a:p>
             <a:fld id="{03EC4E3E-8101-482F-A883-8B55DAFF7C07}" type="datetimeFigureOut">
               <a:rPr lang="en-SG" smtClean="0"/>
-              <a:t>6/7/2018</a:t>
+              <a:t>28/2/2019</a:t>
             </a:fld>
             <a:endParaRPr lang="en-SG"/>
           </a:p>
@@ -675,7 +671,7 @@
           <a:p>
             <a:fld id="{03EC4E3E-8101-482F-A883-8B55DAFF7C07}" type="datetimeFigureOut">
               <a:rPr lang="en-SG" smtClean="0"/>
-              <a:t>6/7/2018</a:t>
+              <a:t>28/2/2019</a:t>
             </a:fld>
             <a:endParaRPr lang="en-SG"/>
           </a:p>
@@ -875,7 +871,7 @@
           <a:p>
             <a:fld id="{03EC4E3E-8101-482F-A883-8B55DAFF7C07}" type="datetimeFigureOut">
               <a:rPr lang="en-SG" smtClean="0"/>
-              <a:t>6/7/2018</a:t>
+              <a:t>28/2/2019</a:t>
             </a:fld>
             <a:endParaRPr lang="en-SG"/>
           </a:p>
@@ -1151,7 +1147,7 @@
           <a:p>
             <a:fld id="{03EC4E3E-8101-482F-A883-8B55DAFF7C07}" type="datetimeFigureOut">
               <a:rPr lang="en-SG" smtClean="0"/>
-              <a:t>6/7/2018</a:t>
+              <a:t>28/2/2019</a:t>
             </a:fld>
             <a:endParaRPr lang="en-SG"/>
           </a:p>
@@ -1419,7 +1415,7 @@
           <a:p>
             <a:fld id="{03EC4E3E-8101-482F-A883-8B55DAFF7C07}" type="datetimeFigureOut">
               <a:rPr lang="en-SG" smtClean="0"/>
-              <a:t>6/7/2018</a:t>
+              <a:t>28/2/2019</a:t>
             </a:fld>
             <a:endParaRPr lang="en-SG"/>
           </a:p>
@@ -1834,7 +1830,7 @@
           <a:p>
             <a:fld id="{03EC4E3E-8101-482F-A883-8B55DAFF7C07}" type="datetimeFigureOut">
               <a:rPr lang="en-SG" smtClean="0"/>
-              <a:t>6/7/2018</a:t>
+              <a:t>28/2/2019</a:t>
             </a:fld>
             <a:endParaRPr lang="en-SG"/>
           </a:p>
@@ -1976,7 +1972,7 @@
           <a:p>
             <a:fld id="{03EC4E3E-8101-482F-A883-8B55DAFF7C07}" type="datetimeFigureOut">
               <a:rPr lang="en-SG" smtClean="0"/>
-              <a:t>6/7/2018</a:t>
+              <a:t>28/2/2019</a:t>
             </a:fld>
             <a:endParaRPr lang="en-SG"/>
           </a:p>
@@ -2089,7 +2085,7 @@
           <a:p>
             <a:fld id="{03EC4E3E-8101-482F-A883-8B55DAFF7C07}" type="datetimeFigureOut">
               <a:rPr lang="en-SG" smtClean="0"/>
-              <a:t>6/7/2018</a:t>
+              <a:t>28/2/2019</a:t>
             </a:fld>
             <a:endParaRPr lang="en-SG"/>
           </a:p>
@@ -2402,7 +2398,7 @@
           <a:p>
             <a:fld id="{03EC4E3E-8101-482F-A883-8B55DAFF7C07}" type="datetimeFigureOut">
               <a:rPr lang="en-SG" smtClean="0"/>
-              <a:t>6/7/2018</a:t>
+              <a:t>28/2/2019</a:t>
             </a:fld>
             <a:endParaRPr lang="en-SG"/>
           </a:p>
@@ -2691,7 +2687,7 @@
           <a:p>
             <a:fld id="{03EC4E3E-8101-482F-A883-8B55DAFF7C07}" type="datetimeFigureOut">
               <a:rPr lang="en-SG" smtClean="0"/>
-              <a:t>6/7/2018</a:t>
+              <a:t>28/2/2019</a:t>
             </a:fld>
             <a:endParaRPr lang="en-SG"/>
           </a:p>
@@ -2934,7 +2930,7 @@
           <a:p>
             <a:fld id="{03EC4E3E-8101-482F-A883-8B55DAFF7C07}" type="datetimeFigureOut">
               <a:rPr lang="en-SG" smtClean="0"/>
-              <a:t>6/7/2018</a:t>
+              <a:t>28/2/2019</a:t>
             </a:fld>
             <a:endParaRPr lang="en-SG"/>
           </a:p>
@@ -3461,7 +3457,7 @@
         </p:nvGraphicFramePr>
         <p:xfrm>
           <a:off x="473240" y="1476102"/>
-          <a:ext cx="1825824" cy="417888"/>
+          <a:ext cx="1825824" cy="640080"/>
         </p:xfrm>
         <a:graphic>
           <a:graphicData uri="http://schemas.openxmlformats.org/drawingml/2006/table">
@@ -3486,11 +3482,11 @@
                     <a:p>
                       <a:r>
                         <a:rPr lang="en-SG" u="sng" dirty="0"/>
-                        <a:t>ab0:A</a:t>
+                        <a:t>ab0:voluncheer</a:t>
                       </a:r>
                       <a:r>
                         <a:rPr lang="en-SG" sz="1800" u="sng" dirty="0"/>
-                        <a:t>ddressBook</a:t>
+                        <a:t>Book</a:t>
                       </a:r>
                       <a:endParaRPr lang="en-SG" sz="1600" u="sng" dirty="0"/>
                     </a:p>
@@ -3665,7 +3661,7 @@
         </p:nvGraphicFramePr>
         <p:xfrm>
           <a:off x="2491232" y="1476102"/>
-          <a:ext cx="1825824" cy="417888"/>
+          <a:ext cx="1825824" cy="640080"/>
         </p:xfrm>
         <a:graphic>
           <a:graphicData uri="http://schemas.openxmlformats.org/drawingml/2006/table">
@@ -3690,11 +3686,11 @@
                     <a:p>
                       <a:r>
                         <a:rPr lang="en-SG" u="sng" dirty="0"/>
-                        <a:t>ab1:A</a:t>
+                        <a:t>ab1:voluncheer</a:t>
                       </a:r>
                       <a:r>
                         <a:rPr lang="en-SG" sz="1800" u="sng" dirty="0"/>
-                        <a:t>ddressBook</a:t>
+                        <a:t>Book</a:t>
                       </a:r>
                       <a:endParaRPr lang="en-SG" sz="1600" u="sng" dirty="0"/>
                     </a:p>
@@ -3733,75 +3729,7 @@
         </p:nvGraphicFramePr>
         <p:xfrm>
           <a:off x="4509224" y="3926589"/>
-          <a:ext cx="1825824" cy="417888"/>
-        </p:xfrm>
-        <a:graphic>
-          <a:graphicData uri="http://schemas.openxmlformats.org/drawingml/2006/table">
-            <a:tbl>
-              <a:tblPr>
-                <a:tableStyleId>{638B1855-1B75-4FBE-930C-398BA8C253C6}</a:tableStyleId>
-              </a:tblPr>
-              <a:tblGrid>
-                <a:gridCol w="1825824">
-                  <a:extLst>
-                    <a:ext uri="{9D8B030D-6E8A-4147-A177-3AD203B41FA5}">
-                      <a16:colId xmlns:a16="http://schemas.microsoft.com/office/drawing/2014/main" val="4240773277"/>
-                    </a:ext>
-                  </a:extLst>
-                </a:gridCol>
-              </a:tblGrid>
-              <a:tr h="417888">
-                <a:tc>
-                  <a:txBody>
-                    <a:bodyPr/>
-                    <a:lstStyle/>
-                    <a:p>
-                      <a:r>
-                        <a:rPr lang="en-SG" u="sng"/>
-                        <a:t>ab2:A</a:t>
-                      </a:r>
-                      <a:r>
-                        <a:rPr lang="en-SG" sz="1800" u="sng"/>
-                        <a:t>ddressBook</a:t>
-                      </a:r>
-                      <a:endParaRPr lang="en-SG" sz="1600" u="sng" dirty="0"/>
-                    </a:p>
-                  </a:txBody>
-                  <a:tcPr/>
-                </a:tc>
-                <a:extLst>
-                  <a:ext uri="{0D108BD9-81ED-4DB2-BD59-A6C34878D82A}">
-                    <a16:rowId xmlns:a16="http://schemas.microsoft.com/office/drawing/2014/main" val="2194462629"/>
-                  </a:ext>
-                </a:extLst>
-              </a:tr>
-            </a:tbl>
-          </a:graphicData>
-        </a:graphic>
-      </p:graphicFrame>
-      <p:graphicFrame>
-        <p:nvGraphicFramePr>
-          <p:cNvPr id="17" name="Table 16">
-            <a:extLst>
-              <a:ext uri="{FF2B5EF4-FFF2-40B4-BE49-F238E27FC236}">
-                <a16:creationId xmlns:a16="http://schemas.microsoft.com/office/drawing/2014/main" id="{F545FAB8-F1CE-4886-9BDE-E772BCB0A9C4}"/>
-              </a:ext>
-            </a:extLst>
-          </p:cNvPr>
-          <p:cNvGraphicFramePr>
-            <a:graphicFrameLocks noGrp="1"/>
-          </p:cNvGraphicFramePr>
-          <p:nvPr>
-            <p:extLst>
-              <p:ext uri="{D42A27DB-BD31-4B8C-83A1-F6EECF244321}">
-                <p14:modId xmlns:p14="http://schemas.microsoft.com/office/powerpoint/2010/main" val="4094059841"/>
-              </p:ext>
-            </p:extLst>
-          </p:nvPr>
-        </p:nvGraphicFramePr>
-        <p:xfrm>
-          <a:off x="2491232" y="3908450"/>
-          <a:ext cx="1825824" cy="417888"/>
+          <a:ext cx="1825824" cy="640080"/>
         </p:xfrm>
         <a:graphic>
           <a:graphicData uri="http://schemas.openxmlformats.org/drawingml/2006/table">
@@ -3826,11 +3754,11 @@
                     <a:p>
                       <a:r>
                         <a:rPr lang="en-SG" u="sng" dirty="0"/>
-                        <a:t>ab1:A</a:t>
+                        <a:t>ab2:voluncheer</a:t>
                       </a:r>
                       <a:r>
                         <a:rPr lang="en-SG" sz="1800" u="sng" dirty="0"/>
-                        <a:t>ddressBook</a:t>
+                        <a:t>Book</a:t>
                       </a:r>
                       <a:endParaRPr lang="en-SG" sz="1600" u="sng" dirty="0"/>
                     </a:p>
@@ -3849,7 +3777,7 @@
       </p:graphicFrame>
       <p:graphicFrame>
         <p:nvGraphicFramePr>
-          <p:cNvPr id="18" name="Table 17">
+          <p:cNvPr id="17" name="Table 16">
             <a:extLst>
               <a:ext uri="{FF2B5EF4-FFF2-40B4-BE49-F238E27FC236}">
                 <a16:creationId xmlns:a16="http://schemas.microsoft.com/office/drawing/2014/main" id="{F545FAB8-F1CE-4886-9BDE-E772BCB0A9C4}"/>
@@ -3862,14 +3790,14 @@
           <p:nvPr>
             <p:extLst>
               <p:ext uri="{D42A27DB-BD31-4B8C-83A1-F6EECF244321}">
-                <p14:modId xmlns:p14="http://schemas.microsoft.com/office/powerpoint/2010/main" val="3467820198"/>
+                <p14:modId xmlns:p14="http://schemas.microsoft.com/office/powerpoint/2010/main" val="4094059841"/>
               </p:ext>
             </p:extLst>
           </p:nvPr>
         </p:nvGraphicFramePr>
         <p:xfrm>
-          <a:off x="473240" y="3908450"/>
-          <a:ext cx="1825824" cy="417888"/>
+          <a:off x="2491232" y="3908450"/>
+          <a:ext cx="1825824" cy="640080"/>
         </p:xfrm>
         <a:graphic>
           <a:graphicData uri="http://schemas.openxmlformats.org/drawingml/2006/table">
@@ -3894,11 +3822,79 @@
                     <a:p>
                       <a:r>
                         <a:rPr lang="en-SG" u="sng" dirty="0"/>
-                        <a:t>ab0:A</a:t>
+                        <a:t>ab1:voluncheer</a:t>
                       </a:r>
                       <a:r>
                         <a:rPr lang="en-SG" sz="1800" u="sng" dirty="0"/>
-                        <a:t>ddressBook</a:t>
+                        <a:t>Book</a:t>
+                      </a:r>
+                      <a:endParaRPr lang="en-SG" sz="1600" u="sng" dirty="0"/>
+                    </a:p>
+                  </a:txBody>
+                  <a:tcPr/>
+                </a:tc>
+                <a:extLst>
+                  <a:ext uri="{0D108BD9-81ED-4DB2-BD59-A6C34878D82A}">
+                    <a16:rowId xmlns:a16="http://schemas.microsoft.com/office/drawing/2014/main" val="2194462629"/>
+                  </a:ext>
+                </a:extLst>
+              </a:tr>
+            </a:tbl>
+          </a:graphicData>
+        </a:graphic>
+      </p:graphicFrame>
+      <p:graphicFrame>
+        <p:nvGraphicFramePr>
+          <p:cNvPr id="18" name="Table 17">
+            <a:extLst>
+              <a:ext uri="{FF2B5EF4-FFF2-40B4-BE49-F238E27FC236}">
+                <a16:creationId xmlns:a16="http://schemas.microsoft.com/office/drawing/2014/main" id="{F545FAB8-F1CE-4886-9BDE-E772BCB0A9C4}"/>
+              </a:ext>
+            </a:extLst>
+          </p:cNvPr>
+          <p:cNvGraphicFramePr>
+            <a:graphicFrameLocks noGrp="1"/>
+          </p:cNvGraphicFramePr>
+          <p:nvPr>
+            <p:extLst>
+              <p:ext uri="{D42A27DB-BD31-4B8C-83A1-F6EECF244321}">
+                <p14:modId xmlns:p14="http://schemas.microsoft.com/office/powerpoint/2010/main" val="3467820198"/>
+              </p:ext>
+            </p:extLst>
+          </p:nvPr>
+        </p:nvGraphicFramePr>
+        <p:xfrm>
+          <a:off x="473240" y="3908450"/>
+          <a:ext cx="1825824" cy="640080"/>
+        </p:xfrm>
+        <a:graphic>
+          <a:graphicData uri="http://schemas.openxmlformats.org/drawingml/2006/table">
+            <a:tbl>
+              <a:tblPr>
+                <a:tableStyleId>{638B1855-1B75-4FBE-930C-398BA8C253C6}</a:tableStyleId>
+              </a:tblPr>
+              <a:tblGrid>
+                <a:gridCol w="1825824">
+                  <a:extLst>
+                    <a:ext uri="{9D8B030D-6E8A-4147-A177-3AD203B41FA5}">
+                      <a16:colId xmlns:a16="http://schemas.microsoft.com/office/drawing/2014/main" val="4240773277"/>
+                    </a:ext>
+                  </a:extLst>
+                </a:gridCol>
+              </a:tblGrid>
+              <a:tr h="417888">
+                <a:tc>
+                  <a:txBody>
+                    <a:bodyPr/>
+                    <a:lstStyle/>
+                    <a:p>
+                      <a:r>
+                        <a:rPr lang="en-SG" u="sng" dirty="0"/>
+                        <a:t>ab0:voluncheer</a:t>
+                      </a:r>
+                      <a:r>
+                        <a:rPr lang="en-SG" sz="1800" u="sng" dirty="0"/>
+                        <a:t>Book</a:t>
                       </a:r>
                       <a:endParaRPr lang="en-SG" sz="1600" u="sng" dirty="0"/>
                     </a:p>
